--- a/Проект игра на Pygame презентация.pptx
+++ b/Проект игра на Pygame презентация.pptx
@@ -107,6 +107,11 @@
       </a:defRPr>
     </a:lvl9pPr>
   </p:defaultTextStyle>
+  <p:extLst>
+    <p:ext uri="{EFAFB233-063F-42B5-8137-9DF3F51BA10A}">
+      <p15:sldGuideLst xmlns:p15="http://schemas.microsoft.com/office/powerpoint/2012/main"/>
+    </p:ext>
+  </p:extLst>
 </p:presentation>
 </file>
 
@@ -257,7 +262,7 @@
           <a:p>
             <a:fld id="{3C1B8767-A101-40B1-B9E9-0FA489872312}" type="datetimeFigureOut">
               <a:rPr lang="ru-RU" smtClean="0"/>
-              <a:t>10.01.2022</a:t>
+              <a:t>18.01.2022</a:t>
             </a:fld>
             <a:endParaRPr lang="ru-RU"/>
           </a:p>
@@ -455,7 +460,7 @@
           <a:p>
             <a:fld id="{3C1B8767-A101-40B1-B9E9-0FA489872312}" type="datetimeFigureOut">
               <a:rPr lang="ru-RU" smtClean="0"/>
-              <a:t>10.01.2022</a:t>
+              <a:t>18.01.2022</a:t>
             </a:fld>
             <a:endParaRPr lang="ru-RU"/>
           </a:p>
@@ -663,7 +668,7 @@
           <a:p>
             <a:fld id="{3C1B8767-A101-40B1-B9E9-0FA489872312}" type="datetimeFigureOut">
               <a:rPr lang="ru-RU" smtClean="0"/>
-              <a:t>10.01.2022</a:t>
+              <a:t>18.01.2022</a:t>
             </a:fld>
             <a:endParaRPr lang="ru-RU"/>
           </a:p>
@@ -861,7 +866,7 @@
           <a:p>
             <a:fld id="{3C1B8767-A101-40B1-B9E9-0FA489872312}" type="datetimeFigureOut">
               <a:rPr lang="ru-RU" smtClean="0"/>
-              <a:t>10.01.2022</a:t>
+              <a:t>18.01.2022</a:t>
             </a:fld>
             <a:endParaRPr lang="ru-RU"/>
           </a:p>
@@ -1136,7 +1141,7 @@
           <a:p>
             <a:fld id="{3C1B8767-A101-40B1-B9E9-0FA489872312}" type="datetimeFigureOut">
               <a:rPr lang="ru-RU" smtClean="0"/>
-              <a:t>10.01.2022</a:t>
+              <a:t>18.01.2022</a:t>
             </a:fld>
             <a:endParaRPr lang="ru-RU"/>
           </a:p>
@@ -1401,7 +1406,7 @@
           <a:p>
             <a:fld id="{3C1B8767-A101-40B1-B9E9-0FA489872312}" type="datetimeFigureOut">
               <a:rPr lang="ru-RU" smtClean="0"/>
-              <a:t>10.01.2022</a:t>
+              <a:t>18.01.2022</a:t>
             </a:fld>
             <a:endParaRPr lang="ru-RU"/>
           </a:p>
@@ -1813,7 +1818,7 @@
           <a:p>
             <a:fld id="{3C1B8767-A101-40B1-B9E9-0FA489872312}" type="datetimeFigureOut">
               <a:rPr lang="ru-RU" smtClean="0"/>
-              <a:t>10.01.2022</a:t>
+              <a:t>18.01.2022</a:t>
             </a:fld>
             <a:endParaRPr lang="ru-RU"/>
           </a:p>
@@ -1954,7 +1959,7 @@
           <a:p>
             <a:fld id="{3C1B8767-A101-40B1-B9E9-0FA489872312}" type="datetimeFigureOut">
               <a:rPr lang="ru-RU" smtClean="0"/>
-              <a:t>10.01.2022</a:t>
+              <a:t>18.01.2022</a:t>
             </a:fld>
             <a:endParaRPr lang="ru-RU"/>
           </a:p>
@@ -2067,7 +2072,7 @@
           <a:p>
             <a:fld id="{3C1B8767-A101-40B1-B9E9-0FA489872312}" type="datetimeFigureOut">
               <a:rPr lang="ru-RU" smtClean="0"/>
-              <a:t>10.01.2022</a:t>
+              <a:t>18.01.2022</a:t>
             </a:fld>
             <a:endParaRPr lang="ru-RU"/>
           </a:p>
@@ -2378,7 +2383,7 @@
           <a:p>
             <a:fld id="{3C1B8767-A101-40B1-B9E9-0FA489872312}" type="datetimeFigureOut">
               <a:rPr lang="ru-RU" smtClean="0"/>
-              <a:t>10.01.2022</a:t>
+              <a:t>18.01.2022</a:t>
             </a:fld>
             <a:endParaRPr lang="ru-RU"/>
           </a:p>
@@ -2666,7 +2671,7 @@
           <a:p>
             <a:fld id="{3C1B8767-A101-40B1-B9E9-0FA489872312}" type="datetimeFigureOut">
               <a:rPr lang="ru-RU" smtClean="0"/>
-              <a:t>10.01.2022</a:t>
+              <a:t>18.01.2022</a:t>
             </a:fld>
             <a:endParaRPr lang="ru-RU"/>
           </a:p>
@@ -2907,7 +2912,7 @@
           <a:p>
             <a:fld id="{3C1B8767-A101-40B1-B9E9-0FA489872312}" type="datetimeFigureOut">
               <a:rPr lang="ru-RU" smtClean="0"/>
-              <a:t>10.01.2022</a:t>
+              <a:t>18.01.2022</a:t>
             </a:fld>
             <a:endParaRPr lang="ru-RU"/>
           </a:p>
@@ -3787,8 +3792,21 @@
                   <a:schemeClr val="bg1"/>
                 </a:solidFill>
               </a:rPr>
-              <a:t>для двух игроков. В игре реализованы логичные механики движения и атаки для разных типов юнитов. Есть анимации, экраны победы, сохранение результатов. Случайная генерация карты и препятствий, несколько вариантов конфигураций армий.</a:t>
-            </a:r>
+              <a:t>для двух игроков. В игре реализованы логичные механики движения и атаки для разных типов юнитов. Есть анимации, экраны победы, сохранение результатов. Случайная генерация карты и препятствий, несколько вариантов конфигураций армий. Возможность посмотреть предыдущие игры, ознакомиться с правилами, в любой момент выйти </a:t>
+            </a:r>
+            <a:r>
+              <a:rPr lang="ru-RU">
+                <a:solidFill>
+                  <a:schemeClr val="bg1"/>
+                </a:solidFill>
+              </a:rPr>
+              <a:t>в меню.</a:t>
+            </a:r>
+            <a:endParaRPr lang="ru-RU" dirty="0">
+              <a:solidFill>
+                <a:schemeClr val="bg1"/>
+              </a:solidFill>
+            </a:endParaRPr>
           </a:p>
         </p:txBody>
       </p:sp>
@@ -3896,9 +3914,16 @@
             <p:ph idx="1"/>
           </p:nvPr>
         </p:nvSpPr>
-        <p:spPr/>
-        <p:txBody>
-          <a:bodyPr/>
+        <p:spPr>
+          <a:xfrm>
+            <a:off x="838200" y="1690688"/>
+            <a:ext cx="10515600" cy="4486275"/>
+          </a:xfrm>
+        </p:spPr>
+        <p:txBody>
+          <a:bodyPr>
+            <a:normAutofit fontScale="92500" lnSpcReduction="10000"/>
+          </a:bodyPr>
           <a:lstStyle/>
           <a:p>
             <a:r>
@@ -3917,7 +3942,7 @@
                   <a:schemeClr val="bg1"/>
                 </a:solidFill>
               </a:rPr>
-              <a:t>Кнопки</a:t>
+              <a:t>Сохраненные результаты игр</a:t>
             </a:r>
           </a:p>
           <a:p>
@@ -3937,6 +3962,16 @@
                   <a:schemeClr val="bg1"/>
                 </a:solidFill>
               </a:rPr>
+              <a:t>Столкновение спрайтов</a:t>
+            </a:r>
+          </a:p>
+          <a:p>
+            <a:r>
+              <a:rPr lang="ru-RU" dirty="0">
+                <a:solidFill>
+                  <a:schemeClr val="bg1"/>
+                </a:solidFill>
+              </a:rPr>
               <a:t>Различные классы юнитов</a:t>
             </a:r>
           </a:p>
@@ -3957,8 +3992,33 @@
                   <a:schemeClr val="bg1"/>
                 </a:solidFill>
               </a:rPr>
+              <a:t>Случайная генерация уровня и различные конфигурации расстановки юнитов</a:t>
+            </a:r>
+          </a:p>
+          <a:p>
+            <a:r>
+              <a:rPr lang="ru-RU" dirty="0">
+                <a:solidFill>
+                  <a:schemeClr val="bg1"/>
+                </a:solidFill>
+              </a:rPr>
               <a:t>Хранение результатов</a:t>
             </a:r>
+          </a:p>
+          <a:p>
+            <a:r>
+              <a:rPr lang="en-US" dirty="0">
+                <a:solidFill>
+                  <a:schemeClr val="bg1"/>
+                </a:solidFill>
+              </a:rPr>
+              <a:t>Requirements</a:t>
+            </a:r>
+            <a:endParaRPr lang="ru-RU" dirty="0">
+              <a:solidFill>
+                <a:schemeClr val="bg1"/>
+              </a:solidFill>
+            </a:endParaRPr>
           </a:p>
         </p:txBody>
       </p:sp>
